--- a/Steganography_ppt.pptx
+++ b/Steganography_ppt.pptx
@@ -5,7 +5,7 @@
     <p:sldMasterId id="2147483712" r:id="rId4"/>
   </p:sldMasterIdLst>
   <p:notesMasterIdLst>
-    <p:notesMasterId r:id="rId16"/>
+    <p:notesMasterId r:id="rId18"/>
   </p:notesMasterIdLst>
   <p:sldIdLst>
     <p:sldId id="256" r:id="rId5"/>
@@ -15,10 +15,12 @@
     <p:sldId id="265" r:id="rId9"/>
     <p:sldId id="2146847057" r:id="rId10"/>
     <p:sldId id="2146847060" r:id="rId11"/>
-    <p:sldId id="2146847062" r:id="rId12"/>
-    <p:sldId id="2146847061" r:id="rId13"/>
-    <p:sldId id="2146847055" r:id="rId14"/>
-    <p:sldId id="259" r:id="rId15"/>
+    <p:sldId id="2146847063" r:id="rId12"/>
+    <p:sldId id="2146847064" r:id="rId13"/>
+    <p:sldId id="2146847062" r:id="rId14"/>
+    <p:sldId id="2146847061" r:id="rId15"/>
+    <p:sldId id="2146847055" r:id="rId16"/>
+    <p:sldId id="259" r:id="rId17"/>
   </p:sldIdLst>
   <p:sldSz cx="12192000" cy="6858000"/>
   <p:notesSz cx="6858000" cy="9144000"/>
@@ -218,7 +220,7 @@
           <a:p>
             <a:fld id="{46256A78-79A6-408F-8148-4F87BB81602D}" type="datetimeFigureOut">
               <a:rPr lang="en-IN" smtClean="0"/>
-              <a:t>16-02-2025</a:t>
+              <a:t>19-02-2025</a:t>
             </a:fld>
             <a:endParaRPr lang="en-IN"/>
           </a:p>
@@ -722,7 +724,7 @@
           <a:p>
             <a:fld id="{ED291B17-9318-49DB-B28B-6E5994AE9581}" type="datetime1">
               <a:rPr lang="en-US" smtClean="0"/>
-              <a:t>2/16/2025</a:t>
+              <a:t>2/19/2025</a:t>
             </a:fld>
             <a:endParaRPr lang="en-US"/>
           </a:p>
@@ -931,7 +933,7 @@
           <a:p>
             <a:fld id="{2CED4963-E985-44C4-B8C4-FDD613B7C2F8}" type="datetime1">
               <a:rPr lang="en-US" smtClean="0"/>
-              <a:t>2/16/2025</a:t>
+              <a:t>2/19/2025</a:t>
             </a:fld>
             <a:endParaRPr lang="en-US"/>
           </a:p>
@@ -1299,7 +1301,7 @@
           <a:p>
             <a:fld id="{ED291B17-9318-49DB-B28B-6E5994AE9581}" type="datetime1">
               <a:rPr lang="en-US" smtClean="0"/>
-              <a:t>2/16/2025</a:t>
+              <a:t>2/19/2025</a:t>
             </a:fld>
             <a:endParaRPr lang="en-US"/>
           </a:p>
@@ -1503,7 +1505,7 @@
           <a:p>
             <a:fld id="{78DD82B9-B8EE-4375-B6FF-88FA6ABB15D9}" type="datetime1">
               <a:rPr lang="en-US" smtClean="0"/>
-              <a:t>2/16/2025</a:t>
+              <a:t>2/19/2025</a:t>
             </a:fld>
             <a:endParaRPr lang="en-US"/>
           </a:p>
@@ -1760,7 +1762,7 @@
           <a:p>
             <a:fld id="{B2497495-0637-405E-AE64-5CC7506D51F5}" type="datetime1">
               <a:rPr lang="en-US" smtClean="0"/>
-              <a:t>2/16/2025</a:t>
+              <a:t>2/19/2025</a:t>
             </a:fld>
             <a:endParaRPr lang="en-US"/>
           </a:p>
@@ -2018,7 +2020,7 @@
           <a:p>
             <a:fld id="{7BFFD690-9426-415D-8B65-26881E07B2D4}" type="datetime1">
               <a:rPr lang="en-US" smtClean="0"/>
-              <a:t>2/16/2025</a:t>
+              <a:t>2/19/2025</a:t>
             </a:fld>
             <a:endParaRPr lang="en-US"/>
           </a:p>
@@ -2445,7 +2447,7 @@
           <a:p>
             <a:fld id="{04C4989A-474C-40DE-95B9-011C28B71673}" type="datetime1">
               <a:rPr lang="en-US" smtClean="0"/>
-              <a:t>2/16/2025</a:t>
+              <a:t>2/19/2025</a:t>
             </a:fld>
             <a:endParaRPr lang="en-US"/>
           </a:p>
@@ -2575,7 +2577,7 @@
           <a:p>
             <a:fld id="{5DB4ED54-5B5E-4A04-93D3-5772E3CE3818}" type="datetime1">
               <a:rPr lang="en-US" smtClean="0"/>
-              <a:t>2/16/2025</a:t>
+              <a:t>2/19/2025</a:t>
             </a:fld>
             <a:endParaRPr lang="en-US"/>
           </a:p>
@@ -2678,7 +2680,7 @@
           <a:p>
             <a:fld id="{4EDE50D6-574B-40AF-946F-D52A04ADE379}" type="datetime1">
               <a:rPr lang="en-US" smtClean="0"/>
-              <a:t>2/16/2025</a:t>
+              <a:t>2/19/2025</a:t>
             </a:fld>
             <a:endParaRPr lang="en-US"/>
           </a:p>
@@ -3061,7 +3063,7 @@
           <a:p>
             <a:fld id="{D82884F1-FFEA-405F-9602-3DCA865EDA4E}" type="datetime1">
               <a:rPr lang="en-US" smtClean="0"/>
-              <a:t>2/16/2025</a:t>
+              <a:t>2/19/2025</a:t>
             </a:fld>
             <a:endParaRPr lang="en-US"/>
           </a:p>
@@ -3355,7 +3357,7 @@
           <a:p>
             <a:fld id="{7E18DB4A-8810-4A10-AD5C-D5E2C667F5B3}" type="datetime1">
               <a:rPr lang="en-US" smtClean="0"/>
-              <a:t>2/16/2025</a:t>
+              <a:t>2/19/2025</a:t>
             </a:fld>
             <a:endParaRPr lang="en-US"/>
           </a:p>
@@ -3576,7 +3578,7 @@
           <a:p>
             <a:fld id="{ED291B17-9318-49DB-B28B-6E5994AE9581}" type="datetime1">
               <a:rPr lang="en-US" smtClean="0"/>
-              <a:t>2/16/2025</a:t>
+              <a:t>2/19/2025</a:t>
             </a:fld>
             <a:endParaRPr lang="en-US"/>
           </a:p>
@@ -4412,6 +4414,215 @@
       </p:grpSpPr>
       <p:sp>
         <p:nvSpPr>
+          <p:cNvPr id="2" name="Title 1">
+            <a:extLst>
+              <a:ext uri="{FF2B5EF4-FFF2-40B4-BE49-F238E27FC236}">
+                <a16:creationId xmlns:a16="http://schemas.microsoft.com/office/drawing/2014/main" id="{FA4C6B3D-1072-C2D2-EBFE-E33CABE394D1}"/>
+              </a:ext>
+            </a:extLst>
+          </p:cNvPr>
+          <p:cNvSpPr>
+            <a:spLocks noGrp="1"/>
+          </p:cNvSpPr>
+          <p:nvPr>
+            <p:ph type="title"/>
+          </p:nvPr>
+        </p:nvSpPr>
+        <p:spPr/>
+        <p:txBody>
+          <a:bodyPr/>
+          <a:lstStyle/>
+          <a:p>
+            <a:r>
+              <a:rPr lang="en-IN" dirty="0">
+                <a:solidFill>
+                  <a:schemeClr val="accent1"/>
+                </a:solidFill>
+              </a:rPr>
+              <a:t>Conclusion</a:t>
+            </a:r>
+          </a:p>
+        </p:txBody>
+      </p:sp>
+      <p:sp>
+        <p:nvSpPr>
+          <p:cNvPr id="3" name="Content Placeholder 2">
+            <a:extLst>
+              <a:ext uri="{FF2B5EF4-FFF2-40B4-BE49-F238E27FC236}">
+                <a16:creationId xmlns:a16="http://schemas.microsoft.com/office/drawing/2014/main" id="{D4974547-DF1B-77BB-E545-9344EDB9AD3F}"/>
+              </a:ext>
+            </a:extLst>
+          </p:cNvPr>
+          <p:cNvSpPr>
+            <a:spLocks noGrp="1"/>
+          </p:cNvSpPr>
+          <p:nvPr>
+            <p:ph idx="1"/>
+          </p:nvPr>
+        </p:nvSpPr>
+        <p:spPr/>
+        <p:txBody>
+          <a:bodyPr/>
+          <a:lstStyle/>
+          <a:p>
+            <a:pPr marL="0" indent="0">
+              <a:buNone/>
+            </a:pPr>
+            <a:r>
+              <a:rPr lang="en-US" b="1" dirty="0"/>
+              <a:t>Conclusion:</a:t>
+            </a:r>
+          </a:p>
+          <a:p>
+            <a:pPr marL="0" indent="0">
+              <a:buNone/>
+            </a:pPr>
+            <a:r>
+              <a:rPr lang="en-US" dirty="0"/>
+              <a:t>This steganography project successfully addresses the challenge of securing data hidden within steganographic images. By leveraging advanced encryption techniques and embedding them in image pixels. This will ensure data integrity and protection against unauthorized access. The user-friendly interface allows for dynamic input of message and encryption keys, making the process more accessible and efficient. It not only strengthens data protection but also contributes to the border field of cybersecurity, demonstrating the potential of steganography in safeguarding sensitive information.</a:t>
+            </a:r>
+            <a:endParaRPr lang="en-IN" dirty="0"/>
+          </a:p>
+          <a:p>
+            <a:pPr marL="0" indent="0">
+              <a:buNone/>
+            </a:pPr>
+            <a:endParaRPr lang="en-IN" dirty="0"/>
+          </a:p>
+        </p:txBody>
+      </p:sp>
+    </p:spTree>
+    <p:extLst>
+      <p:ext uri="{BB962C8B-B14F-4D97-AF65-F5344CB8AC3E}">
+        <p14:creationId xmlns:p14="http://schemas.microsoft.com/office/powerpoint/2010/main" val="4233882376"/>
+      </p:ext>
+    </p:extLst>
+  </p:cSld>
+  <p:clrMapOvr>
+    <a:masterClrMapping/>
+  </p:clrMapOvr>
+</p:sld>
+</file>
+
+<file path=ppt/slides/slide11.xml><?xml version="1.0" encoding="utf-8"?>
+<p:sld xmlns:a="http://schemas.openxmlformats.org/drawingml/2006/main" xmlns:r="http://schemas.openxmlformats.org/officeDocument/2006/relationships" xmlns:p="http://schemas.openxmlformats.org/presentationml/2006/main">
+  <p:cSld>
+    <p:spTree>
+      <p:nvGrpSpPr>
+        <p:cNvPr id="1" name=""/>
+        <p:cNvGrpSpPr/>
+        <p:nvPr/>
+      </p:nvGrpSpPr>
+      <p:grpSpPr>
+        <a:xfrm>
+          <a:off x="0" y="0"/>
+          <a:ext cx="0" cy="0"/>
+          <a:chOff x="0" y="0"/>
+          <a:chExt cx="0" cy="0"/>
+        </a:xfrm>
+      </p:grpSpPr>
+      <p:sp>
+        <p:nvSpPr>
+          <p:cNvPr id="2" name="Title 1">
+            <a:extLst>
+              <a:ext uri="{FF2B5EF4-FFF2-40B4-BE49-F238E27FC236}">
+                <a16:creationId xmlns:a16="http://schemas.microsoft.com/office/drawing/2014/main" id="{48E9F08C-D61F-627D-C4E5-397E3E84FC45}"/>
+              </a:ext>
+            </a:extLst>
+          </p:cNvPr>
+          <p:cNvSpPr>
+            <a:spLocks noGrp="1"/>
+          </p:cNvSpPr>
+          <p:nvPr>
+            <p:ph type="title"/>
+          </p:nvPr>
+        </p:nvSpPr>
+        <p:spPr/>
+        <p:txBody>
+          <a:bodyPr/>
+          <a:lstStyle/>
+          <a:p>
+            <a:r>
+              <a:rPr lang="en-IN" dirty="0">
+                <a:solidFill>
+                  <a:schemeClr val="accent1"/>
+                </a:solidFill>
+              </a:rPr>
+              <a:t>GitHub Link</a:t>
+            </a:r>
+          </a:p>
+        </p:txBody>
+      </p:sp>
+      <p:sp>
+        <p:nvSpPr>
+          <p:cNvPr id="3" name="Content Placeholder 2">
+            <a:extLst>
+              <a:ext uri="{FF2B5EF4-FFF2-40B4-BE49-F238E27FC236}">
+                <a16:creationId xmlns:a16="http://schemas.microsoft.com/office/drawing/2014/main" id="{51A299DD-46FA-7866-41D8-C1BFCC2F69DD}"/>
+              </a:ext>
+            </a:extLst>
+          </p:cNvPr>
+          <p:cNvSpPr>
+            <a:spLocks noGrp="1"/>
+          </p:cNvSpPr>
+          <p:nvPr>
+            <p:ph idx="1"/>
+          </p:nvPr>
+        </p:nvSpPr>
+        <p:spPr/>
+        <p:txBody>
+          <a:bodyPr/>
+          <a:lstStyle/>
+          <a:p>
+            <a:pPr marL="0" indent="0">
+              <a:buNone/>
+            </a:pPr>
+            <a:r>
+              <a:rPr lang="en-IN" dirty="0"/>
+              <a:t>Git hub link: </a:t>
+            </a:r>
+            <a:r>
+              <a:rPr lang="en-IN" dirty="0">
+                <a:hlinkClick r:id="rId2"/>
+              </a:rPr>
+              <a:t>https://github.com/ARE-IMANTH/Steganography-Project.git</a:t>
+            </a:r>
+            <a:endParaRPr lang="en-IN" dirty="0"/>
+          </a:p>
+        </p:txBody>
+      </p:sp>
+    </p:spTree>
+    <p:extLst>
+      <p:ext uri="{BB962C8B-B14F-4D97-AF65-F5344CB8AC3E}">
+        <p14:creationId xmlns:p14="http://schemas.microsoft.com/office/powerpoint/2010/main" val="2230664768"/>
+      </p:ext>
+    </p:extLst>
+  </p:cSld>
+  <p:clrMapOvr>
+    <a:masterClrMapping/>
+  </p:clrMapOvr>
+</p:sld>
+</file>
+
+<file path=ppt/slides/slide12.xml><?xml version="1.0" encoding="utf-8"?>
+<p:sld xmlns:a="http://schemas.openxmlformats.org/drawingml/2006/main" xmlns:r="http://schemas.openxmlformats.org/officeDocument/2006/relationships" xmlns:p="http://schemas.openxmlformats.org/presentationml/2006/main">
+  <p:cSld>
+    <p:spTree>
+      <p:nvGrpSpPr>
+        <p:cNvPr id="1" name=""/>
+        <p:cNvGrpSpPr/>
+        <p:nvPr/>
+      </p:nvGrpSpPr>
+      <p:grpSpPr>
+        <a:xfrm>
+          <a:off x="0" y="0"/>
+          <a:ext cx="0" cy="0"/>
+          <a:chOff x="0" y="0"/>
+          <a:chExt cx="0" cy="0"/>
+        </a:xfrm>
+      </p:grpSpPr>
+      <p:sp>
+        <p:nvSpPr>
           <p:cNvPr id="3" name="Content Placeholder 2">
             <a:extLst>
               <a:ext uri="{FF2B5EF4-FFF2-40B4-BE49-F238E27FC236}">
@@ -4606,7 +4817,7 @@
 </p:sld>
 </file>
 
-<file path=ppt/slides/slide11.xml><?xml version="1.0" encoding="utf-8"?>
+<file path=ppt/slides/slide13.xml><?xml version="1.0" encoding="utf-8"?>
 <p:sld xmlns:a="http://schemas.openxmlformats.org/drawingml/2006/main" xmlns:r="http://schemas.openxmlformats.org/officeDocument/2006/relationships" xmlns:p="http://schemas.openxmlformats.org/presentationml/2006/main">
   <p:cSld>
     <p:spTree>
@@ -5828,69 +6039,9 @@
         </p:blipFill>
         <p:spPr>
           <a:xfrm>
-            <a:off x="197401" y="1232452"/>
-            <a:ext cx="5898599" cy="2941983"/>
+            <a:off x="1358900" y="1232452"/>
+            <a:ext cx="9779000" cy="5028648"/>
           </a:xfrm>
-        </p:spPr>
-      </p:pic>
-      <p:pic>
-        <p:nvPicPr>
-          <p:cNvPr id="13" name="Picture 12">
-            <a:extLst>
-              <a:ext uri="{FF2B5EF4-FFF2-40B4-BE49-F238E27FC236}">
-                <a16:creationId xmlns:a16="http://schemas.microsoft.com/office/drawing/2014/main" id="{7E6A866B-9692-293B-6A46-279AFC08B149}"/>
-              </a:ext>
-            </a:extLst>
-          </p:cNvPr>
-          <p:cNvPicPr>
-            <a:picLocks noChangeAspect="1"/>
-          </p:cNvPicPr>
-          <p:nvPr/>
-        </p:nvPicPr>
-        <p:blipFill>
-          <a:blip r:embed="rId3"/>
-          <a:stretch>
-            <a:fillRect/>
-          </a:stretch>
-        </p:blipFill>
-        <p:spPr>
-          <a:xfrm>
-            <a:off x="6096000" y="1232452"/>
-            <a:ext cx="6096000" cy="2941983"/>
-          </a:xfrm>
-          <a:prstGeom prst="rect">
-            <a:avLst/>
-          </a:prstGeom>
-        </p:spPr>
-      </p:pic>
-      <p:pic>
-        <p:nvPicPr>
-          <p:cNvPr id="15" name="Picture 14">
-            <a:extLst>
-              <a:ext uri="{FF2B5EF4-FFF2-40B4-BE49-F238E27FC236}">
-                <a16:creationId xmlns:a16="http://schemas.microsoft.com/office/drawing/2014/main" id="{307C9EB5-89BE-CF3A-F83D-023264CD2FA9}"/>
-              </a:ext>
-            </a:extLst>
-          </p:cNvPr>
-          <p:cNvPicPr>
-            <a:picLocks noChangeAspect="1"/>
-          </p:cNvPicPr>
-          <p:nvPr/>
-        </p:nvPicPr>
-        <p:blipFill>
-          <a:blip r:embed="rId4"/>
-          <a:stretch>
-            <a:fillRect/>
-          </a:stretch>
-        </p:blipFill>
-        <p:spPr>
-          <a:xfrm>
-            <a:off x="2313830" y="4174434"/>
-            <a:ext cx="6822219" cy="2607683"/>
-          </a:xfrm>
-          <a:prstGeom prst="rect">
-            <a:avLst/>
-          </a:prstGeom>
         </p:spPr>
       </p:pic>
     </p:spTree>
@@ -5911,7 +6062,13 @@
   <p:cSld>
     <p:spTree>
       <p:nvGrpSpPr>
-        <p:cNvPr id="1" name=""/>
+        <p:cNvPr id="1" name="">
+          <a:extLst>
+            <a:ext uri="{FF2B5EF4-FFF2-40B4-BE49-F238E27FC236}">
+              <a16:creationId xmlns:a16="http://schemas.microsoft.com/office/drawing/2014/main" id="{F6CA567C-574D-E7BC-3930-6F2091F51CC8}"/>
+            </a:ext>
+          </a:extLst>
+        </p:cNvPr>
         <p:cNvGrpSpPr/>
         <p:nvPr/>
       </p:nvGrpSpPr>
@@ -5928,7 +6085,7 @@
           <p:cNvPr id="2" name="Title 1">
             <a:extLst>
               <a:ext uri="{FF2B5EF4-FFF2-40B4-BE49-F238E27FC236}">
-                <a16:creationId xmlns:a16="http://schemas.microsoft.com/office/drawing/2014/main" id="{FA4C6B3D-1072-C2D2-EBFE-E33CABE394D1}"/>
+                <a16:creationId xmlns:a16="http://schemas.microsoft.com/office/drawing/2014/main" id="{089FA244-5115-842C-49C7-6BCDE3D25875}"/>
               </a:ext>
             </a:extLst>
           </p:cNvPr>
@@ -5950,62 +6107,45 @@
                   <a:schemeClr val="accent1"/>
                 </a:solidFill>
               </a:rPr>
-              <a:t>Conclusion</a:t>
-            </a:r>
-          </a:p>
-        </p:txBody>
-      </p:sp>
-      <p:sp>
-        <p:nvSpPr>
-          <p:cNvPr id="3" name="Content Placeholder 2">
+              <a:t>Results</a:t>
+            </a:r>
+          </a:p>
+        </p:txBody>
+      </p:sp>
+      <p:pic>
+        <p:nvPicPr>
+          <p:cNvPr id="13" name="Picture 12">
             <a:extLst>
               <a:ext uri="{FF2B5EF4-FFF2-40B4-BE49-F238E27FC236}">
-                <a16:creationId xmlns:a16="http://schemas.microsoft.com/office/drawing/2014/main" id="{D4974547-DF1B-77BB-E545-9344EDB9AD3F}"/>
+                <a16:creationId xmlns:a16="http://schemas.microsoft.com/office/drawing/2014/main" id="{1DE471D6-070A-7EED-5F3F-92BB4763A6BC}"/>
               </a:ext>
             </a:extLst>
           </p:cNvPr>
-          <p:cNvSpPr>
-            <a:spLocks noGrp="1"/>
-          </p:cNvSpPr>
-          <p:nvPr>
-            <p:ph idx="1"/>
-          </p:nvPr>
-        </p:nvSpPr>
-        <p:spPr/>
-        <p:txBody>
-          <a:bodyPr/>
-          <a:lstStyle/>
-          <a:p>
-            <a:pPr marL="0" indent="0">
-              <a:buNone/>
-            </a:pPr>
-            <a:r>
-              <a:rPr lang="en-US" b="1" dirty="0"/>
-              <a:t>Conclusion:</a:t>
-            </a:r>
-          </a:p>
-          <a:p>
-            <a:pPr marL="0" indent="0">
-              <a:buNone/>
-            </a:pPr>
-            <a:r>
-              <a:rPr lang="en-US" dirty="0"/>
-              <a:t>This steganography project successfully addresses the challenge of securing data hidden within steganographic images. By leveraging advanced encryption techniques and embedding them in image pixels. This will ensure data integrity and protection against unauthorized access. The user-friendly interface allows for dynamic input of message and encryption keys, making the process more accessible and efficient. It not only strengthens data protection but also contributes to the border field of cybersecurity, demonstrating the potential of steganography in safeguarding sensitive information.</a:t>
-            </a:r>
-            <a:endParaRPr lang="en-IN" dirty="0"/>
-          </a:p>
-          <a:p>
-            <a:pPr marL="0" indent="0">
-              <a:buNone/>
-            </a:pPr>
-            <a:endParaRPr lang="en-IN" dirty="0"/>
-          </a:p>
-        </p:txBody>
-      </p:sp>
+          <p:cNvPicPr>
+            <a:picLocks noChangeAspect="1"/>
+          </p:cNvPicPr>
+          <p:nvPr/>
+        </p:nvPicPr>
+        <p:blipFill>
+          <a:blip r:embed="rId2"/>
+          <a:stretch>
+            <a:fillRect/>
+          </a:stretch>
+        </p:blipFill>
+        <p:spPr>
+          <a:xfrm>
+            <a:off x="986971" y="1232452"/>
+            <a:ext cx="10218057" cy="5095777"/>
+          </a:xfrm>
+          <a:prstGeom prst="rect">
+            <a:avLst/>
+          </a:prstGeom>
+        </p:spPr>
+      </p:pic>
     </p:spTree>
     <p:extLst>
       <p:ext uri="{BB962C8B-B14F-4D97-AF65-F5344CB8AC3E}">
-        <p14:creationId xmlns:p14="http://schemas.microsoft.com/office/powerpoint/2010/main" val="4233882376"/>
+        <p14:creationId xmlns:p14="http://schemas.microsoft.com/office/powerpoint/2010/main" val="1216190437"/>
       </p:ext>
     </p:extLst>
   </p:cSld>
@@ -6020,7 +6160,13 @@
   <p:cSld>
     <p:spTree>
       <p:nvGrpSpPr>
-        <p:cNvPr id="1" name=""/>
+        <p:cNvPr id="1" name="">
+          <a:extLst>
+            <a:ext uri="{FF2B5EF4-FFF2-40B4-BE49-F238E27FC236}">
+              <a16:creationId xmlns:a16="http://schemas.microsoft.com/office/drawing/2014/main" id="{E4A4F627-131D-DD48-71A3-1621058A3424}"/>
+            </a:ext>
+          </a:extLst>
+        </p:cNvPr>
         <p:cNvGrpSpPr/>
         <p:nvPr/>
       </p:nvGrpSpPr>
@@ -6037,7 +6183,7 @@
           <p:cNvPr id="2" name="Title 1">
             <a:extLst>
               <a:ext uri="{FF2B5EF4-FFF2-40B4-BE49-F238E27FC236}">
-                <a16:creationId xmlns:a16="http://schemas.microsoft.com/office/drawing/2014/main" id="{48E9F08C-D61F-627D-C4E5-397E3E84FC45}"/>
+                <a16:creationId xmlns:a16="http://schemas.microsoft.com/office/drawing/2014/main" id="{D869F8DD-AE6C-4510-7C04-73AEB92FFCD2}"/>
               </a:ext>
             </a:extLst>
           </p:cNvPr>
@@ -6059,53 +6205,45 @@
                   <a:schemeClr val="accent1"/>
                 </a:solidFill>
               </a:rPr>
-              <a:t>GitHub Link</a:t>
-            </a:r>
-          </a:p>
-        </p:txBody>
-      </p:sp>
-      <p:sp>
-        <p:nvSpPr>
-          <p:cNvPr id="3" name="Content Placeholder 2">
+              <a:t>Results</a:t>
+            </a:r>
+          </a:p>
+        </p:txBody>
+      </p:sp>
+      <p:pic>
+        <p:nvPicPr>
+          <p:cNvPr id="15" name="Picture 14">
             <a:extLst>
               <a:ext uri="{FF2B5EF4-FFF2-40B4-BE49-F238E27FC236}">
-                <a16:creationId xmlns:a16="http://schemas.microsoft.com/office/drawing/2014/main" id="{51A299DD-46FA-7866-41D8-C1BFCC2F69DD}"/>
+                <a16:creationId xmlns:a16="http://schemas.microsoft.com/office/drawing/2014/main" id="{CD17249C-123F-1E7C-810B-122A2FD4C939}"/>
               </a:ext>
             </a:extLst>
           </p:cNvPr>
-          <p:cNvSpPr>
-            <a:spLocks noGrp="1"/>
-          </p:cNvSpPr>
-          <p:nvPr>
-            <p:ph idx="1"/>
-          </p:nvPr>
-        </p:nvSpPr>
-        <p:spPr/>
-        <p:txBody>
-          <a:bodyPr/>
-          <a:lstStyle/>
-          <a:p>
-            <a:pPr marL="0" indent="0">
-              <a:buNone/>
-            </a:pPr>
-            <a:r>
-              <a:rPr lang="en-IN" dirty="0"/>
-              <a:t>Git hub link: </a:t>
-            </a:r>
-            <a:r>
-              <a:rPr lang="en-IN" dirty="0">
-                <a:hlinkClick r:id="rId2"/>
-              </a:rPr>
-              <a:t>https://github.com/ARE-IMANTH/Steganography-Project.git</a:t>
-            </a:r>
-            <a:endParaRPr lang="en-IN" dirty="0"/>
-          </a:p>
-        </p:txBody>
-      </p:sp>
+          <p:cNvPicPr>
+            <a:picLocks noChangeAspect="1"/>
+          </p:cNvPicPr>
+          <p:nvPr/>
+        </p:nvPicPr>
+        <p:blipFill>
+          <a:blip r:embed="rId2"/>
+          <a:stretch>
+            <a:fillRect/>
+          </a:stretch>
+        </p:blipFill>
+        <p:spPr>
+          <a:xfrm>
+            <a:off x="704253" y="1232452"/>
+            <a:ext cx="10783494" cy="5110291"/>
+          </a:xfrm>
+          <a:prstGeom prst="rect">
+            <a:avLst/>
+          </a:prstGeom>
+        </p:spPr>
+      </p:pic>
     </p:spTree>
     <p:extLst>
       <p:ext uri="{BB962C8B-B14F-4D97-AF65-F5344CB8AC3E}">
-        <p14:creationId xmlns:p14="http://schemas.microsoft.com/office/powerpoint/2010/main" val="2230664768"/>
+        <p14:creationId xmlns:p14="http://schemas.microsoft.com/office/powerpoint/2010/main" val="205947347"/>
       </p:ext>
     </p:extLst>
   </p:cSld>
@@ -6680,15 +6818,6 @@
 </file>
 
 <file path=customXml/item1.xml><?xml version="1.0" encoding="utf-8"?>
-<?mso-contentType ?>
-<FormTemplates xmlns="http://schemas.microsoft.com/sharepoint/v3/contenttype/forms">
-  <Display>DocumentLibraryForm</Display>
-  <Edit>DocumentLibraryForm</Edit>
-  <New>DocumentLibraryForm</New>
-</FormTemplates>
-</file>
-
-<file path=customXml/item2.xml><?xml version="1.0" encoding="utf-8"?>
 <ct:contentTypeSchema xmlns:ct="http://schemas.microsoft.com/office/2006/metadata/contentType" xmlns:ma="http://schemas.microsoft.com/office/2006/metadata/properties/metaAttributes" ct:_="" ma:_="" ma:contentTypeName="Document" ma:contentTypeID="0x0101007F0268AC5E70984D8FE60B7154176407" ma:contentTypeVersion="15" ma:contentTypeDescription="Create a new document." ma:contentTypeScope="" ma:versionID="104e359103f0f57b1cf9676756e5b944">
   <xsd:schema xmlns:xsd="http://www.w3.org/2001/XMLSchema" xmlns:xs="http://www.w3.org/2001/XMLSchema" xmlns:p="http://schemas.microsoft.com/office/2006/metadata/properties" xmlns:ns3="b30265f8-c5e2-4918-b4a1-b977299ca3e2" xmlns:ns4="fadb41d3-f9cb-40fb-903c-8cacaba95bb5" targetNamespace="http://schemas.microsoft.com/office/2006/metadata/properties" ma:root="true" ma:fieldsID="5615b8f8aa772998bad551f24a33de0e" ns3:_="" ns4:_="">
     <xsd:import namespace="b30265f8-c5e2-4918-b4a1-b977299ca3e2"/>
@@ -6921,7 +7050,7 @@
 </ct:contentTypeSchema>
 </file>
 
-<file path=customXml/item3.xml><?xml version="1.0" encoding="utf-8"?>
+<file path=customXml/item2.xml><?xml version="1.0" encoding="utf-8"?>
 <p:properties xmlns:p="http://schemas.microsoft.com/office/2006/metadata/properties" xmlns:xsi="http://www.w3.org/2001/XMLSchema-instance" xmlns:pc="http://schemas.microsoft.com/office/infopath/2007/PartnerControls">
   <documentManagement>
     <_activity xmlns="b30265f8-c5e2-4918-b4a1-b977299ca3e2" xsi:nil="true"/>
@@ -6929,15 +7058,16 @@
 </p:properties>
 </file>
 
-<file path=customXml/itemProps1.xml><?xml version="1.0" encoding="utf-8"?>
-<ds:datastoreItem xmlns:ds="http://schemas.openxmlformats.org/officeDocument/2006/customXml" ds:itemID="{927BD4C1-B6B1-4715-ABF9-E660A51A4EA0}">
-  <ds:schemaRefs>
-    <ds:schemaRef ds:uri="http://schemas.microsoft.com/sharepoint/v3/contenttype/forms"/>
-  </ds:schemaRefs>
-</ds:datastoreItem>
+<file path=customXml/item3.xml><?xml version="1.0" encoding="utf-8"?>
+<?mso-contentType ?>
+<FormTemplates xmlns="http://schemas.microsoft.com/sharepoint/v3/contenttype/forms">
+  <Display>DocumentLibraryForm</Display>
+  <Edit>DocumentLibraryForm</Edit>
+  <New>DocumentLibraryForm</New>
+</FormTemplates>
 </file>
 
-<file path=customXml/itemProps2.xml><?xml version="1.0" encoding="utf-8"?>
+<file path=customXml/itemProps1.xml><?xml version="1.0" encoding="utf-8"?>
 <ds:datastoreItem xmlns:ds="http://schemas.openxmlformats.org/officeDocument/2006/customXml" ds:itemID="{9DD71778-17EE-4151-88AE-C8F4E8043BD9}">
   <ds:schemaRefs>
     <ds:schemaRef ds:uri="http://schemas.microsoft.com/office/2006/metadata/contentType"/>
@@ -6956,7 +7086,7 @@
 </ds:datastoreItem>
 </file>
 
-<file path=customXml/itemProps3.xml><?xml version="1.0" encoding="utf-8"?>
+<file path=customXml/itemProps2.xml><?xml version="1.0" encoding="utf-8"?>
 <ds:datastoreItem xmlns:ds="http://schemas.openxmlformats.org/officeDocument/2006/customXml" ds:itemID="{8D289AE2-D2AE-49D1-AFAC-3A79F6794255}">
   <ds:schemaRefs>
     <ds:schemaRef ds:uri="http://schemas.openxmlformats.org/package/2006/metadata/core-properties"/>
@@ -6971,4 +7101,12 @@
     <ds:schemaRef ds:uri="http://www.w3.org/XML/1998/namespace"/>
   </ds:schemaRefs>
 </ds:datastoreItem>
+</file>
+
+<file path=customXml/itemProps3.xml><?xml version="1.0" encoding="utf-8"?>
+<ds:datastoreItem xmlns:ds="http://schemas.openxmlformats.org/officeDocument/2006/customXml" ds:itemID="{927BD4C1-B6B1-4715-ABF9-E660A51A4EA0}">
+  <ds:schemaRefs>
+    <ds:schemaRef ds:uri="http://schemas.microsoft.com/sharepoint/v3/contenttype/forms"/>
+  </ds:schemaRefs>
+</ds:datastoreItem>
 </file>
--- a/Steganography_ppt.pptx
+++ b/Steganography_ppt.pptx
@@ -5391,6 +5391,33 @@
             <a:r>
               <a:rPr lang="en-IN" dirty="0"/>
               <a:t> library provides a way of using operating system-dependent functionalities. It includes functions for interacting with the file system, handling directories, and executing system commands.</a:t>
+            </a:r>
+          </a:p>
+          <a:p>
+            <a:pPr marL="0" indent="0">
+              <a:buNone/>
+            </a:pPr>
+            <a:r>
+              <a:rPr lang="en-IN" b="1" dirty="0"/>
+              <a:t>Platform: </a:t>
+            </a:r>
+          </a:p>
+          <a:p>
+            <a:pPr marL="0" indent="0">
+              <a:buNone/>
+            </a:pPr>
+            <a:r>
+              <a:rPr lang="en-IN" dirty="0"/>
+              <a:t>Windows requirements-  windows 7 or later, 4gb RAM, 10gb Storage, multi-core processor.</a:t>
+            </a:r>
+          </a:p>
+          <a:p>
+            <a:pPr marL="0" indent="0">
+              <a:buNone/>
+            </a:pPr>
+            <a:r>
+              <a:rPr lang="en-IN" dirty="0"/>
+              <a:t>					additional notes- 64-bit,32-bit Windows operating systems.</a:t>
             </a:r>
           </a:p>
         </p:txBody>
@@ -6818,6 +6845,23 @@
 </file>
 
 <file path=customXml/item1.xml><?xml version="1.0" encoding="utf-8"?>
+<?mso-contentType ?>
+<FormTemplates xmlns="http://schemas.microsoft.com/sharepoint/v3/contenttype/forms">
+  <Display>DocumentLibraryForm</Display>
+  <Edit>DocumentLibraryForm</Edit>
+  <New>DocumentLibraryForm</New>
+</FormTemplates>
+</file>
+
+<file path=customXml/item2.xml><?xml version="1.0" encoding="utf-8"?>
+<p:properties xmlns:p="http://schemas.microsoft.com/office/2006/metadata/properties" xmlns:xsi="http://www.w3.org/2001/XMLSchema-instance" xmlns:pc="http://schemas.microsoft.com/office/infopath/2007/PartnerControls">
+  <documentManagement>
+    <_activity xmlns="b30265f8-c5e2-4918-b4a1-b977299ca3e2" xsi:nil="true"/>
+  </documentManagement>
+</p:properties>
+</file>
+
+<file path=customXml/item3.xml><?xml version="1.0" encoding="utf-8"?>
 <ct:contentTypeSchema xmlns:ct="http://schemas.microsoft.com/office/2006/metadata/contentType" xmlns:ma="http://schemas.microsoft.com/office/2006/metadata/properties/metaAttributes" ct:_="" ma:_="" ma:contentTypeName="Document" ma:contentTypeID="0x0101007F0268AC5E70984D8FE60B7154176407" ma:contentTypeVersion="15" ma:contentTypeDescription="Create a new document." ma:contentTypeScope="" ma:versionID="104e359103f0f57b1cf9676756e5b944">
   <xsd:schema xmlns:xsd="http://www.w3.org/2001/XMLSchema" xmlns:xs="http://www.w3.org/2001/XMLSchema" xmlns:p="http://schemas.microsoft.com/office/2006/metadata/properties" xmlns:ns3="b30265f8-c5e2-4918-b4a1-b977299ca3e2" xmlns:ns4="fadb41d3-f9cb-40fb-903c-8cacaba95bb5" targetNamespace="http://schemas.microsoft.com/office/2006/metadata/properties" ma:root="true" ma:fieldsID="5615b8f8aa772998bad551f24a33de0e" ns3:_="" ns4:_="">
     <xsd:import namespace="b30265f8-c5e2-4918-b4a1-b977299ca3e2"/>
@@ -7050,38 +7094,10 @@
 </ct:contentTypeSchema>
 </file>
 
-<file path=customXml/item2.xml><?xml version="1.0" encoding="utf-8"?>
-<p:properties xmlns:p="http://schemas.microsoft.com/office/2006/metadata/properties" xmlns:xsi="http://www.w3.org/2001/XMLSchema-instance" xmlns:pc="http://schemas.microsoft.com/office/infopath/2007/PartnerControls">
-  <documentManagement>
-    <_activity xmlns="b30265f8-c5e2-4918-b4a1-b977299ca3e2" xsi:nil="true"/>
-  </documentManagement>
-</p:properties>
-</file>
-
-<file path=customXml/item3.xml><?xml version="1.0" encoding="utf-8"?>
-<?mso-contentType ?>
-<FormTemplates xmlns="http://schemas.microsoft.com/sharepoint/v3/contenttype/forms">
-  <Display>DocumentLibraryForm</Display>
-  <Edit>DocumentLibraryForm</Edit>
-  <New>DocumentLibraryForm</New>
-</FormTemplates>
-</file>
-
 <file path=customXml/itemProps1.xml><?xml version="1.0" encoding="utf-8"?>
-<ds:datastoreItem xmlns:ds="http://schemas.openxmlformats.org/officeDocument/2006/customXml" ds:itemID="{9DD71778-17EE-4151-88AE-C8F4E8043BD9}">
+<ds:datastoreItem xmlns:ds="http://schemas.openxmlformats.org/officeDocument/2006/customXml" ds:itemID="{927BD4C1-B6B1-4715-ABF9-E660A51A4EA0}">
   <ds:schemaRefs>
-    <ds:schemaRef ds:uri="http://schemas.microsoft.com/office/2006/metadata/contentType"/>
-    <ds:schemaRef ds:uri="http://schemas.microsoft.com/office/2006/metadata/properties/metaAttributes"/>
-    <ds:schemaRef ds:uri="http://www.w3.org/2001/XMLSchema"/>
-    <ds:schemaRef ds:uri="http://schemas.microsoft.com/office/2006/metadata/properties"/>
-    <ds:schemaRef ds:uri="b30265f8-c5e2-4918-b4a1-b977299ca3e2"/>
-    <ds:schemaRef ds:uri="fadb41d3-f9cb-40fb-903c-8cacaba95bb5"/>
-    <ds:schemaRef ds:uri="http://schemas.microsoft.com/office/2006/documentManagement/types"/>
-    <ds:schemaRef ds:uri="http://schemas.microsoft.com/office/infopath/2007/PartnerControls"/>
-    <ds:schemaRef ds:uri="http://schemas.openxmlformats.org/package/2006/metadata/core-properties"/>
-    <ds:schemaRef ds:uri="http://purl.org/dc/elements/1.1/"/>
-    <ds:schemaRef ds:uri="http://purl.org/dc/terms/"/>
-    <ds:schemaRef ds:uri="http://schemas.microsoft.com/internal/obd"/>
+    <ds:schemaRef ds:uri="http://schemas.microsoft.com/sharepoint/v3/contenttype/forms"/>
   </ds:schemaRefs>
 </ds:datastoreItem>
 </file>
@@ -7104,9 +7120,20 @@
 </file>
 
 <file path=customXml/itemProps3.xml><?xml version="1.0" encoding="utf-8"?>
-<ds:datastoreItem xmlns:ds="http://schemas.openxmlformats.org/officeDocument/2006/customXml" ds:itemID="{927BD4C1-B6B1-4715-ABF9-E660A51A4EA0}">
+<ds:datastoreItem xmlns:ds="http://schemas.openxmlformats.org/officeDocument/2006/customXml" ds:itemID="{9DD71778-17EE-4151-88AE-C8F4E8043BD9}">
   <ds:schemaRefs>
-    <ds:schemaRef ds:uri="http://schemas.microsoft.com/sharepoint/v3/contenttype/forms"/>
+    <ds:schemaRef ds:uri="http://schemas.microsoft.com/office/2006/metadata/contentType"/>
+    <ds:schemaRef ds:uri="http://schemas.microsoft.com/office/2006/metadata/properties/metaAttributes"/>
+    <ds:schemaRef ds:uri="http://www.w3.org/2001/XMLSchema"/>
+    <ds:schemaRef ds:uri="http://schemas.microsoft.com/office/2006/metadata/properties"/>
+    <ds:schemaRef ds:uri="b30265f8-c5e2-4918-b4a1-b977299ca3e2"/>
+    <ds:schemaRef ds:uri="fadb41d3-f9cb-40fb-903c-8cacaba95bb5"/>
+    <ds:schemaRef ds:uri="http://schemas.microsoft.com/office/2006/documentManagement/types"/>
+    <ds:schemaRef ds:uri="http://schemas.microsoft.com/office/infopath/2007/PartnerControls"/>
+    <ds:schemaRef ds:uri="http://schemas.openxmlformats.org/package/2006/metadata/core-properties"/>
+    <ds:schemaRef ds:uri="http://purl.org/dc/elements/1.1/"/>
+    <ds:schemaRef ds:uri="http://purl.org/dc/terms/"/>
+    <ds:schemaRef ds:uri="http://schemas.microsoft.com/internal/obd"/>
   </ds:schemaRefs>
 </ds:datastoreItem>
 </file>
--- a/Steganography_ppt.pptx
+++ b/Steganography_ppt.pptx
@@ -4253,7 +4253,7 @@
         <p:spPr>
           <a:xfrm>
             <a:off x="-329782" y="1034321"/>
-            <a:ext cx="12726648" cy="584775"/>
+            <a:ext cx="12726648" cy="1077218"/>
           </a:xfrm>
           <a:prstGeom prst="rect">
             <a:avLst/>
@@ -4277,8 +4277,20 @@
                 <a:latin typeface="Arial"/>
                 <a:cs typeface="Arial"/>
               </a:rPr>
-              <a:t>DATA HIDING USING STEGANOGRAPHY</a:t>
-            </a:r>
+              <a:t>CAPSTONE PROJECT</a:t>
+            </a:r>
+          </a:p>
+          <a:p>
+            <a:pPr algn="ctr"/>
+            <a:endParaRPr lang="en-US" sz="3200" b="1" dirty="0">
+              <a:solidFill>
+                <a:schemeClr val="accent1">
+                  <a:lumMod val="75000"/>
+                </a:schemeClr>
+              </a:solidFill>
+              <a:latin typeface="Arial"/>
+              <a:cs typeface="Arial"/>
+            </a:endParaRPr>
           </a:p>
         </p:txBody>
       </p:sp>
@@ -4290,8 +4302,8 @@
         </p:nvSpPr>
         <p:spPr>
           <a:xfrm>
-            <a:off x="2532807" y="4586365"/>
-            <a:ext cx="8564905" cy="1631216"/>
+            <a:off x="2152357" y="4586365"/>
+            <a:ext cx="8945355" cy="1631216"/>
           </a:xfrm>
           <a:prstGeom prst="rect">
             <a:avLst/>
@@ -4328,7 +4340,7 @@
                 <a:latin typeface="Arial"/>
                 <a:cs typeface="Arial"/>
               </a:rPr>
-              <a:t>Student Name : A. Imanth</a:t>
+              <a:t>Student Name: A. Imanth</a:t>
             </a:r>
           </a:p>
           <a:p>
@@ -4342,7 +4354,7 @@
                 <a:latin typeface="Arial"/>
                 <a:cs typeface="Arial"/>
               </a:rPr>
-              <a:t>College Name &amp; Department : </a:t>
+              <a:t>College Name: </a:t>
             </a:r>
             <a:r>
               <a:rPr lang="en-US" sz="2000" b="1" dirty="0" err="1">
@@ -4366,7 +4378,21 @@
                 <a:latin typeface="Arial"/>
                 <a:cs typeface="Arial"/>
               </a:rPr>
-              <a:t> Institute of                                                Technology and Science.  CSE-cybersecurity.</a:t>
+              <a:t> Institute of Technology and Science </a:t>
+            </a:r>
+          </a:p>
+          <a:p>
+            <a:r>
+              <a:rPr lang="en-US" sz="2000" b="1" dirty="0">
+                <a:solidFill>
+                  <a:schemeClr val="accent1">
+                    <a:lumMod val="75000"/>
+                  </a:schemeClr>
+                </a:solidFill>
+                <a:latin typeface="Arial"/>
+                <a:cs typeface="Arial"/>
+              </a:rPr>
+              <a:t>Department:  CSE - cybersecurity.</a:t>
             </a:r>
           </a:p>
           <a:p>
@@ -5213,7 +5239,15 @@
             </a:r>
             <a:r>
               <a:rPr lang="en-US" dirty="0"/>
-              <a:t>Develop a robust method for securing data hidden within steganographic images to prevent unauthorized access by hackers. It focuses on enhancing the encryption techniques used in steganography also ensuring data integrity, and providing a mechanism for detecting and mitigating potential security breaches and unauthorized access.</a:t>
+              <a:t>Develop a robust method for securing data hidden within steganographic images to prevent unauthorized access by hackers. It must also </a:t>
+            </a:r>
+            <a:r>
+              <a:rPr lang="en-US" dirty="0" err="1"/>
+              <a:t>focuse</a:t>
+            </a:r>
+            <a:r>
+              <a:rPr lang="en-US" dirty="0"/>
+              <a:t> on enhancing the encryption techniques used in steganography also ensuring data integrity, and providing a mechanism for detecting and mitigating potential security breaches and unauthorized access.</a:t>
             </a:r>
             <a:endParaRPr lang="en-IN" dirty="0"/>
           </a:p>
@@ -5408,7 +5442,7 @@
             </a:pPr>
             <a:r>
               <a:rPr lang="en-IN" dirty="0"/>
-              <a:t>Windows requirements-  windows 7 or later, 4gb RAM, 10gb Storage, multi-core processor.</a:t>
+              <a:t>Windows requirements-  windows 7 or later, 4gb RAM (or more), 10gb Storage(or more), multi-core processor.</a:t>
             </a:r>
           </a:p>
           <a:p>
@@ -5519,8 +5553,8 @@
         </p:nvSpPr>
         <p:spPr bwMode="auto">
           <a:xfrm>
-            <a:off x="581193" y="1376532"/>
-            <a:ext cx="11164340" cy="4524315"/>
+            <a:off x="581191" y="1720841"/>
+            <a:ext cx="11164340" cy="3416320"/>
           </a:xfrm>
           <a:prstGeom prst="rect">
             <a:avLst/>
@@ -5583,30 +5617,15 @@
               <a:buNone/>
               <a:tabLst/>
             </a:pPr>
-            <a:r>
-              <a:rPr kumimoji="0" lang="en-US" altLang="en-US" sz="1800" b="1" i="0" u="none" strike="noStrike" cap="none" normalizeH="0" baseline="0" dirty="0">
-                <a:ln>
-                  <a:noFill/>
-                </a:ln>
-                <a:solidFill>
-                  <a:schemeClr val="tx1"/>
-                </a:solidFill>
-                <a:effectLst/>
-              </a:rPr>
-              <a:t>1. Enhanced Security Algorithms</a:t>
-            </a:r>
-            <a:r>
-              <a:rPr kumimoji="0" lang="en-US" altLang="en-US" sz="1800" b="0" i="0" u="none" strike="noStrike" cap="none" normalizeH="0" baseline="0" dirty="0">
-                <a:ln>
-                  <a:noFill/>
-                </a:ln>
-                <a:solidFill>
-                  <a:schemeClr val="tx1"/>
-                </a:solidFill>
-                <a:effectLst/>
-              </a:rPr>
-              <a:t>: Implement advanced encryption techniques to secure the hidden data within the images. By combining steganography with robust cryptographic methods, your project can offer a higher level of security against unauthorized access.</a:t>
-            </a:r>
+            <a:endParaRPr kumimoji="0" lang="en-US" altLang="en-US" sz="1800" b="1" i="0" u="none" strike="noStrike" cap="none" normalizeH="0" baseline="0" dirty="0">
+              <a:ln>
+                <a:noFill/>
+              </a:ln>
+              <a:solidFill>
+                <a:schemeClr val="tx1"/>
+              </a:solidFill>
+              <a:effectLst/>
+            </a:endParaRPr>
           </a:p>
           <a:p>
             <a:pPr marL="0" marR="0" lvl="0" indent="0" algn="l" defTabSz="914400" rtl="0" eaLnBrk="0" fontAlgn="base" latinLnBrk="0" hangingPunct="0">
@@ -5624,15 +5643,54 @@
               <a:buNone/>
               <a:tabLst/>
             </a:pPr>
-            <a:endParaRPr kumimoji="0" lang="en-US" altLang="en-US" sz="1800" b="0" i="0" u="none" strike="noStrike" cap="none" normalizeH="0" baseline="0" dirty="0">
-              <a:ln>
-                <a:noFill/>
-              </a:ln>
-              <a:solidFill>
-                <a:schemeClr val="tx1"/>
-              </a:solidFill>
-              <a:effectLst/>
-            </a:endParaRPr>
+            <a:r>
+              <a:rPr kumimoji="0" lang="en-US" altLang="en-US" sz="1800" b="1" i="0" u="none" strike="noStrike" cap="none" normalizeH="0" baseline="0" dirty="0">
+                <a:ln>
+                  <a:noFill/>
+                </a:ln>
+                <a:solidFill>
+                  <a:schemeClr val="tx1"/>
+                </a:solidFill>
+                <a:effectLst/>
+              </a:rPr>
+              <a:t>1. Enhanced Security Algorithms</a:t>
+            </a:r>
+            <a:r>
+              <a:rPr kumimoji="0" lang="en-US" altLang="en-US" sz="1800" b="0" i="0" u="none" strike="noStrike" cap="none" normalizeH="0" baseline="0" dirty="0">
+                <a:ln>
+                  <a:noFill/>
+                </a:ln>
+                <a:solidFill>
+                  <a:schemeClr val="tx1"/>
+                </a:solidFill>
+                <a:effectLst/>
+              </a:rPr>
+              <a:t>: Implement advanced encryption techniques(like AES, RSA, Blowfish, </a:t>
+            </a:r>
+            <a:r>
+              <a:rPr kumimoji="0" lang="en-US" altLang="en-US" sz="1800" b="0" i="0" u="none" strike="noStrike" cap="none" normalizeH="0" baseline="0" dirty="0" err="1">
+                <a:ln>
+                  <a:noFill/>
+                </a:ln>
+                <a:solidFill>
+                  <a:schemeClr val="tx1"/>
+                </a:solidFill>
+                <a:effectLst/>
+              </a:rPr>
+              <a:t>Towfish</a:t>
+            </a:r>
+            <a:r>
+              <a:rPr kumimoji="0" lang="en-US" altLang="en-US" sz="1800" b="0" i="0" u="none" strike="noStrike" cap="none" normalizeH="0" baseline="0" dirty="0">
+                <a:ln>
+                  <a:noFill/>
+                </a:ln>
+                <a:solidFill>
+                  <a:schemeClr val="tx1"/>
+                </a:solidFill>
+                <a:effectLst/>
+              </a:rPr>
+              <a:t>, and Triple DES(3DES) ) to secure the hidden data within the images. By combining steganography with robust cryptographic methods, a higher level of security against unauthorized access can be maintained.</a:t>
+            </a:r>
           </a:p>
           <a:p>
             <a:pPr marL="0" marR="0" lvl="0" indent="0" algn="l" defTabSz="914400" rtl="0" eaLnBrk="0" fontAlgn="base" latinLnBrk="0" hangingPunct="0">
@@ -5650,30 +5708,15 @@
               <a:buNone/>
               <a:tabLst/>
             </a:pPr>
-            <a:r>
-              <a:rPr kumimoji="0" lang="en-US" altLang="en-US" sz="1800" b="1" i="0" u="none" strike="noStrike" cap="none" normalizeH="0" baseline="0" dirty="0">
-                <a:ln>
-                  <a:noFill/>
-                </a:ln>
-                <a:solidFill>
-                  <a:schemeClr val="tx1"/>
-                </a:solidFill>
-                <a:effectLst/>
-              </a:rPr>
-              <a:t>2. Multi-Format Steganography</a:t>
-            </a:r>
-            <a:r>
-              <a:rPr kumimoji="0" lang="en-US" altLang="en-US" sz="1800" b="0" i="0" u="none" strike="noStrike" cap="none" normalizeH="0" baseline="0" dirty="0">
-                <a:ln>
-                  <a:noFill/>
-                </a:ln>
-                <a:solidFill>
-                  <a:schemeClr val="tx1"/>
-                </a:solidFill>
-                <a:effectLst/>
-              </a:rPr>
-              <a:t>: Extend the steganography methods to support various file formats beyond images, such as audio, video, and text files. This versatility can make your project applicable to a wider range of use cases and industries.</a:t>
-            </a:r>
+            <a:endParaRPr kumimoji="0" lang="en-US" altLang="en-US" sz="1800" b="0" i="0" u="none" strike="noStrike" cap="none" normalizeH="0" baseline="0" dirty="0">
+              <a:ln>
+                <a:noFill/>
+              </a:ln>
+              <a:solidFill>
+                <a:schemeClr val="tx1"/>
+              </a:solidFill>
+              <a:effectLst/>
+            </a:endParaRPr>
           </a:p>
           <a:p>
             <a:pPr marL="0" marR="0" lvl="0" indent="0" algn="l" defTabSz="914400" rtl="0" eaLnBrk="0" fontAlgn="base" latinLnBrk="0" hangingPunct="0">
@@ -5691,15 +5734,50 @@
               <a:buNone/>
               <a:tabLst/>
             </a:pPr>
-            <a:endParaRPr kumimoji="0" lang="en-US" altLang="en-US" sz="1800" b="0" i="0" u="none" strike="noStrike" cap="none" normalizeH="0" baseline="0" dirty="0">
-              <a:ln>
-                <a:noFill/>
-              </a:ln>
-              <a:solidFill>
-                <a:schemeClr val="tx1"/>
-              </a:solidFill>
-              <a:effectLst/>
-            </a:endParaRPr>
+            <a:r>
+              <a:rPr kumimoji="0" lang="en-US" altLang="en-US" sz="1800" b="1" i="0" u="none" strike="noStrike" cap="none" normalizeH="0" baseline="0" dirty="0">
+                <a:ln>
+                  <a:noFill/>
+                </a:ln>
+                <a:solidFill>
+                  <a:schemeClr val="tx1"/>
+                </a:solidFill>
+                <a:effectLst/>
+              </a:rPr>
+              <a:t>2. Multi-Format Steganography</a:t>
+            </a:r>
+            <a:r>
+              <a:rPr kumimoji="0" lang="en-US" altLang="en-US" sz="1800" b="0" i="0" u="none" strike="noStrike" cap="none" normalizeH="0" baseline="0" dirty="0">
+                <a:ln>
+                  <a:noFill/>
+                </a:ln>
+                <a:solidFill>
+                  <a:schemeClr val="tx1"/>
+                </a:solidFill>
+                <a:effectLst/>
+              </a:rPr>
+              <a:t>: Extend the steganography methods to support various file formats beyond images, such as audio, video, and text files. This versatility can be appli</a:t>
+            </a:r>
+            <a:r>
+              <a:rPr lang="en-US" altLang="en-US" sz="1800" dirty="0">
+                <a:solidFill>
+                  <a:schemeClr val="tx1"/>
+                </a:solidFill>
+              </a:rPr>
+              <a:t>ed</a:t>
+            </a:r>
+            <a:r>
+              <a:rPr kumimoji="0" lang="en-US" altLang="en-US" sz="1800" b="0" i="0" u="none" strike="noStrike" cap="none" normalizeH="0" baseline="0" dirty="0">
+                <a:ln>
+                  <a:noFill/>
+                </a:ln>
+                <a:solidFill>
+                  <a:schemeClr val="tx1"/>
+                </a:solidFill>
+                <a:effectLst/>
+              </a:rPr>
+              <a:t> to a wider range of use cases and industries.</a:t>
+            </a:r>
           </a:p>
           <a:p>
             <a:pPr marL="0" marR="0" lvl="0" indent="0" algn="l" defTabSz="914400" rtl="0" eaLnBrk="0" fontAlgn="base" latinLnBrk="0" hangingPunct="0">
@@ -5717,30 +5795,15 @@
               <a:buNone/>
               <a:tabLst/>
             </a:pPr>
-            <a:r>
-              <a:rPr kumimoji="0" lang="en-US" altLang="en-US" sz="1800" b="1" i="0" u="none" strike="noStrike" cap="none" normalizeH="0" baseline="0" dirty="0">
-                <a:ln>
-                  <a:noFill/>
-                </a:ln>
-                <a:solidFill>
-                  <a:schemeClr val="tx1"/>
-                </a:solidFill>
-                <a:effectLst/>
-              </a:rPr>
-              <a:t>3. Steganalysis and Detection</a:t>
-            </a:r>
-            <a:r>
-              <a:rPr kumimoji="0" lang="en-US" altLang="en-US" sz="1800" b="0" i="0" u="none" strike="noStrike" cap="none" normalizeH="0" baseline="0" dirty="0">
-                <a:ln>
-                  <a:noFill/>
-                </a:ln>
-                <a:solidFill>
-                  <a:schemeClr val="tx1"/>
-                </a:solidFill>
-                <a:effectLst/>
-              </a:rPr>
-              <a:t>: Incorporate tools and methods for detecting steganographic content within files. This feature can help in identifying potential threats and ensuring the integrity of the hidden data, making your project valuable for cybersecurity applications.</a:t>
-            </a:r>
+            <a:endParaRPr kumimoji="0" lang="en-US" altLang="en-US" sz="1800" b="0" i="0" u="none" strike="noStrike" cap="none" normalizeH="0" baseline="0" dirty="0">
+              <a:ln>
+                <a:noFill/>
+              </a:ln>
+              <a:solidFill>
+                <a:schemeClr val="tx1"/>
+              </a:solidFill>
+              <a:effectLst/>
+            </a:endParaRPr>
           </a:p>
           <a:p>
             <a:pPr marL="0" marR="0" lvl="0" indent="0" algn="l" defTabSz="914400" rtl="0" eaLnBrk="0" fontAlgn="base" latinLnBrk="0" hangingPunct="0">
@@ -5758,15 +5821,38 @@
               <a:buNone/>
               <a:tabLst/>
             </a:pPr>
-            <a:endParaRPr kumimoji="0" lang="en-US" altLang="en-US" sz="1800" b="0" i="0" u="none" strike="noStrike" cap="none" normalizeH="0" baseline="0" dirty="0">
-              <a:ln>
-                <a:noFill/>
-              </a:ln>
-              <a:solidFill>
-                <a:schemeClr val="tx1"/>
-              </a:solidFill>
-              <a:effectLst/>
-            </a:endParaRPr>
+            <a:r>
+              <a:rPr kumimoji="0" lang="en-US" altLang="en-US" sz="1800" b="1" i="0" u="none" strike="noStrike" cap="none" normalizeH="0" baseline="0" dirty="0">
+                <a:ln>
+                  <a:noFill/>
+                </a:ln>
+                <a:solidFill>
+                  <a:schemeClr val="tx1"/>
+                </a:solidFill>
+                <a:effectLst/>
+              </a:rPr>
+              <a:t>3. Steganalysis and Detection</a:t>
+            </a:r>
+            <a:r>
+              <a:rPr kumimoji="0" lang="en-US" altLang="en-US" sz="1800" b="0" i="0" u="none" strike="noStrike" cap="none" normalizeH="0" baseline="0" dirty="0">
+                <a:ln>
+                  <a:noFill/>
+                </a:ln>
+                <a:solidFill>
+                  <a:schemeClr val="tx1"/>
+                </a:solidFill>
+                <a:effectLst/>
+              </a:rPr>
+              <a:t>: Incorporate tools and methods for detecting steganographic content within files. This feature can help in identifying potential threats and ensuring the integrity of the hidden data</a:t>
+            </a:r>
+            <a:r>
+              <a:rPr lang="en-US" altLang="en-US" sz="1800" dirty="0">
+                <a:solidFill>
+                  <a:schemeClr val="tx1"/>
+                </a:solidFill>
+              </a:rPr>
+              <a:t>.</a:t>
+            </a:r>
           </a:p>
           <a:p>
             <a:pPr marL="0" marR="0" lvl="0" indent="0" algn="l" defTabSz="914400" rtl="0" eaLnBrk="0" fontAlgn="base" latinLnBrk="0" hangingPunct="0">
@@ -5784,58 +5870,14 @@
               <a:buNone/>
               <a:tabLst/>
             </a:pPr>
-            <a:r>
-              <a:rPr kumimoji="0" lang="en-US" altLang="en-US" sz="1800" b="1" i="0" u="none" strike="noStrike" cap="none" normalizeH="0" baseline="0" dirty="0">
-                <a:ln>
-                  <a:noFill/>
-                </a:ln>
-                <a:solidFill>
-                  <a:schemeClr val="tx1"/>
-                </a:solidFill>
-                <a:effectLst/>
-              </a:rPr>
-              <a:t>4. User-Friendly Interface</a:t>
-            </a:r>
-            <a:r>
-              <a:rPr kumimoji="0" lang="en-US" altLang="en-US" sz="1800" b="0" i="0" u="none" strike="noStrike" cap="none" normalizeH="0" baseline="0" dirty="0">
-                <a:ln>
-                  <a:noFill/>
-                </a:ln>
-                <a:solidFill>
-                  <a:schemeClr val="tx1"/>
-                </a:solidFill>
-                <a:effectLst/>
-              </a:rPr>
-              <a:t>: Design an intuitive and easy-to-use interface that simplifies the process of embedding and extracting hidden data. A well-designed interface can make your project more accessible to users with varying levels of technical expertise.</a:t>
-            </a:r>
-            <a:endParaRPr lang="en-US" altLang="en-US" sz="1800" dirty="0">
+            <a:endParaRPr kumimoji="0" lang="en-US" altLang="en-US" sz="1800" b="0" i="0" u="none" strike="noStrike" cap="none" normalizeH="0" baseline="0" dirty="0">
+              <a:ln>
+                <a:noFill/>
+              </a:ln>
               <a:solidFill>
                 <a:schemeClr val="tx1"/>
               </a:solidFill>
-              <a:latin typeface="Arial" panose="020B0604020202020204" pitchFamily="34" charset="0"/>
-            </a:endParaRPr>
-          </a:p>
-          <a:p>
-            <a:pPr marL="0" marR="0" lvl="0" indent="0" algn="l" defTabSz="914400" rtl="0" eaLnBrk="0" fontAlgn="base" latinLnBrk="0" hangingPunct="0">
-              <a:lnSpc>
-                <a:spcPct val="100000"/>
-              </a:lnSpc>
-              <a:spcBef>
-                <a:spcPct val="0"/>
-              </a:spcBef>
-              <a:spcAft>
-                <a:spcPct val="0"/>
-              </a:spcAft>
-              <a:buClrTx/>
-              <a:buSzTx/>
-              <a:buNone/>
-              <a:tabLst/>
-            </a:pPr>
-            <a:endParaRPr lang="en-US" altLang="en-US" sz="1800" dirty="0">
-              <a:solidFill>
-                <a:schemeClr val="tx1"/>
-              </a:solidFill>
-              <a:latin typeface="Arial" panose="020B0604020202020204" pitchFamily="34" charset="0"/>
+              <a:effectLst/>
             </a:endParaRPr>
           </a:p>
         </p:txBody>
@@ -6845,23 +6887,6 @@
 </file>
 
 <file path=customXml/item1.xml><?xml version="1.0" encoding="utf-8"?>
-<?mso-contentType ?>
-<FormTemplates xmlns="http://schemas.microsoft.com/sharepoint/v3/contenttype/forms">
-  <Display>DocumentLibraryForm</Display>
-  <Edit>DocumentLibraryForm</Edit>
-  <New>DocumentLibraryForm</New>
-</FormTemplates>
-</file>
-
-<file path=customXml/item2.xml><?xml version="1.0" encoding="utf-8"?>
-<p:properties xmlns:p="http://schemas.microsoft.com/office/2006/metadata/properties" xmlns:xsi="http://www.w3.org/2001/XMLSchema-instance" xmlns:pc="http://schemas.microsoft.com/office/infopath/2007/PartnerControls">
-  <documentManagement>
-    <_activity xmlns="b30265f8-c5e2-4918-b4a1-b977299ca3e2" xsi:nil="true"/>
-  </documentManagement>
-</p:properties>
-</file>
-
-<file path=customXml/item3.xml><?xml version="1.0" encoding="utf-8"?>
 <ct:contentTypeSchema xmlns:ct="http://schemas.microsoft.com/office/2006/metadata/contentType" xmlns:ma="http://schemas.microsoft.com/office/2006/metadata/properties/metaAttributes" ct:_="" ma:_="" ma:contentTypeName="Document" ma:contentTypeID="0x0101007F0268AC5E70984D8FE60B7154176407" ma:contentTypeVersion="15" ma:contentTypeDescription="Create a new document." ma:contentTypeScope="" ma:versionID="104e359103f0f57b1cf9676756e5b944">
   <xsd:schema xmlns:xsd="http://www.w3.org/2001/XMLSchema" xmlns:xs="http://www.w3.org/2001/XMLSchema" xmlns:p="http://schemas.microsoft.com/office/2006/metadata/properties" xmlns:ns3="b30265f8-c5e2-4918-b4a1-b977299ca3e2" xmlns:ns4="fadb41d3-f9cb-40fb-903c-8cacaba95bb5" targetNamespace="http://schemas.microsoft.com/office/2006/metadata/properties" ma:root="true" ma:fieldsID="5615b8f8aa772998bad551f24a33de0e" ns3:_="" ns4:_="">
     <xsd:import namespace="b30265f8-c5e2-4918-b4a1-b977299ca3e2"/>
@@ -7094,10 +7119,38 @@
 </ct:contentTypeSchema>
 </file>
 
+<file path=customXml/item2.xml><?xml version="1.0" encoding="utf-8"?>
+<p:properties xmlns:p="http://schemas.microsoft.com/office/2006/metadata/properties" xmlns:xsi="http://www.w3.org/2001/XMLSchema-instance" xmlns:pc="http://schemas.microsoft.com/office/infopath/2007/PartnerControls">
+  <documentManagement>
+    <_activity xmlns="b30265f8-c5e2-4918-b4a1-b977299ca3e2" xsi:nil="true"/>
+  </documentManagement>
+</p:properties>
+</file>
+
+<file path=customXml/item3.xml><?xml version="1.0" encoding="utf-8"?>
+<?mso-contentType ?>
+<FormTemplates xmlns="http://schemas.microsoft.com/sharepoint/v3/contenttype/forms">
+  <Display>DocumentLibraryForm</Display>
+  <Edit>DocumentLibraryForm</Edit>
+  <New>DocumentLibraryForm</New>
+</FormTemplates>
+</file>
+
 <file path=customXml/itemProps1.xml><?xml version="1.0" encoding="utf-8"?>
-<ds:datastoreItem xmlns:ds="http://schemas.openxmlformats.org/officeDocument/2006/customXml" ds:itemID="{927BD4C1-B6B1-4715-ABF9-E660A51A4EA0}">
+<ds:datastoreItem xmlns:ds="http://schemas.openxmlformats.org/officeDocument/2006/customXml" ds:itemID="{9DD71778-17EE-4151-88AE-C8F4E8043BD9}">
   <ds:schemaRefs>
-    <ds:schemaRef ds:uri="http://schemas.microsoft.com/sharepoint/v3/contenttype/forms"/>
+    <ds:schemaRef ds:uri="http://schemas.microsoft.com/office/2006/metadata/contentType"/>
+    <ds:schemaRef ds:uri="http://schemas.microsoft.com/office/2006/metadata/properties/metaAttributes"/>
+    <ds:schemaRef ds:uri="http://www.w3.org/2001/XMLSchema"/>
+    <ds:schemaRef ds:uri="http://schemas.microsoft.com/office/2006/metadata/properties"/>
+    <ds:schemaRef ds:uri="b30265f8-c5e2-4918-b4a1-b977299ca3e2"/>
+    <ds:schemaRef ds:uri="fadb41d3-f9cb-40fb-903c-8cacaba95bb5"/>
+    <ds:schemaRef ds:uri="http://schemas.microsoft.com/office/2006/documentManagement/types"/>
+    <ds:schemaRef ds:uri="http://schemas.microsoft.com/office/infopath/2007/PartnerControls"/>
+    <ds:schemaRef ds:uri="http://schemas.openxmlformats.org/package/2006/metadata/core-properties"/>
+    <ds:schemaRef ds:uri="http://purl.org/dc/elements/1.1/"/>
+    <ds:schemaRef ds:uri="http://purl.org/dc/terms/"/>
+    <ds:schemaRef ds:uri="http://schemas.microsoft.com/internal/obd"/>
   </ds:schemaRefs>
 </ds:datastoreItem>
 </file>
@@ -7120,20 +7173,9 @@
 </file>
 
 <file path=customXml/itemProps3.xml><?xml version="1.0" encoding="utf-8"?>
-<ds:datastoreItem xmlns:ds="http://schemas.openxmlformats.org/officeDocument/2006/customXml" ds:itemID="{9DD71778-17EE-4151-88AE-C8F4E8043BD9}">
+<ds:datastoreItem xmlns:ds="http://schemas.openxmlformats.org/officeDocument/2006/customXml" ds:itemID="{927BD4C1-B6B1-4715-ABF9-E660A51A4EA0}">
   <ds:schemaRefs>
-    <ds:schemaRef ds:uri="http://schemas.microsoft.com/office/2006/metadata/contentType"/>
-    <ds:schemaRef ds:uri="http://schemas.microsoft.com/office/2006/metadata/properties/metaAttributes"/>
-    <ds:schemaRef ds:uri="http://www.w3.org/2001/XMLSchema"/>
-    <ds:schemaRef ds:uri="http://schemas.microsoft.com/office/2006/metadata/properties"/>
-    <ds:schemaRef ds:uri="b30265f8-c5e2-4918-b4a1-b977299ca3e2"/>
-    <ds:schemaRef ds:uri="fadb41d3-f9cb-40fb-903c-8cacaba95bb5"/>
-    <ds:schemaRef ds:uri="http://schemas.microsoft.com/office/2006/documentManagement/types"/>
-    <ds:schemaRef ds:uri="http://schemas.microsoft.com/office/infopath/2007/PartnerControls"/>
-    <ds:schemaRef ds:uri="http://schemas.openxmlformats.org/package/2006/metadata/core-properties"/>
-    <ds:schemaRef ds:uri="http://purl.org/dc/elements/1.1/"/>
-    <ds:schemaRef ds:uri="http://purl.org/dc/terms/"/>
-    <ds:schemaRef ds:uri="http://schemas.microsoft.com/internal/obd"/>
+    <ds:schemaRef ds:uri="http://schemas.microsoft.com/sharepoint/v3/contenttype/forms"/>
   </ds:schemaRefs>
 </ds:datastoreItem>
 </file>
--- a/Steganography_ppt.pptx
+++ b/Steganography_ppt.pptx
@@ -220,7 +220,7 @@
           <a:p>
             <a:fld id="{46256A78-79A6-408F-8148-4F87BB81602D}" type="datetimeFigureOut">
               <a:rPr lang="en-IN" smtClean="0"/>
-              <a:t>19-02-2025</a:t>
+              <a:t>22-02-2025</a:t>
             </a:fld>
             <a:endParaRPr lang="en-IN"/>
           </a:p>
@@ -724,7 +724,7 @@
           <a:p>
             <a:fld id="{ED291B17-9318-49DB-B28B-6E5994AE9581}" type="datetime1">
               <a:rPr lang="en-US" smtClean="0"/>
-              <a:t>2/19/2025</a:t>
+              <a:t>2/22/2025</a:t>
             </a:fld>
             <a:endParaRPr lang="en-US"/>
           </a:p>
@@ -933,7 +933,7 @@
           <a:p>
             <a:fld id="{2CED4963-E985-44C4-B8C4-FDD613B7C2F8}" type="datetime1">
               <a:rPr lang="en-US" smtClean="0"/>
-              <a:t>2/19/2025</a:t>
+              <a:t>2/22/2025</a:t>
             </a:fld>
             <a:endParaRPr lang="en-US"/>
           </a:p>
@@ -1301,7 +1301,7 @@
           <a:p>
             <a:fld id="{ED291B17-9318-49DB-B28B-6E5994AE9581}" type="datetime1">
               <a:rPr lang="en-US" smtClean="0"/>
-              <a:t>2/19/2025</a:t>
+              <a:t>2/22/2025</a:t>
             </a:fld>
             <a:endParaRPr lang="en-US"/>
           </a:p>
@@ -1505,7 +1505,7 @@
           <a:p>
             <a:fld id="{78DD82B9-B8EE-4375-B6FF-88FA6ABB15D9}" type="datetime1">
               <a:rPr lang="en-US" smtClean="0"/>
-              <a:t>2/19/2025</a:t>
+              <a:t>2/22/2025</a:t>
             </a:fld>
             <a:endParaRPr lang="en-US"/>
           </a:p>
@@ -1762,7 +1762,7 @@
           <a:p>
             <a:fld id="{B2497495-0637-405E-AE64-5CC7506D51F5}" type="datetime1">
               <a:rPr lang="en-US" smtClean="0"/>
-              <a:t>2/19/2025</a:t>
+              <a:t>2/22/2025</a:t>
             </a:fld>
             <a:endParaRPr lang="en-US"/>
           </a:p>
@@ -2020,7 +2020,7 @@
           <a:p>
             <a:fld id="{7BFFD690-9426-415D-8B65-26881E07B2D4}" type="datetime1">
               <a:rPr lang="en-US" smtClean="0"/>
-              <a:t>2/19/2025</a:t>
+              <a:t>2/22/2025</a:t>
             </a:fld>
             <a:endParaRPr lang="en-US"/>
           </a:p>
@@ -2447,7 +2447,7 @@
           <a:p>
             <a:fld id="{04C4989A-474C-40DE-95B9-011C28B71673}" type="datetime1">
               <a:rPr lang="en-US" smtClean="0"/>
-              <a:t>2/19/2025</a:t>
+              <a:t>2/22/2025</a:t>
             </a:fld>
             <a:endParaRPr lang="en-US"/>
           </a:p>
@@ -2577,7 +2577,7 @@
           <a:p>
             <a:fld id="{5DB4ED54-5B5E-4A04-93D3-5772E3CE3818}" type="datetime1">
               <a:rPr lang="en-US" smtClean="0"/>
-              <a:t>2/19/2025</a:t>
+              <a:t>2/22/2025</a:t>
             </a:fld>
             <a:endParaRPr lang="en-US"/>
           </a:p>
@@ -2680,7 +2680,7 @@
           <a:p>
             <a:fld id="{4EDE50D6-574B-40AF-946F-D52A04ADE379}" type="datetime1">
               <a:rPr lang="en-US" smtClean="0"/>
-              <a:t>2/19/2025</a:t>
+              <a:t>2/22/2025</a:t>
             </a:fld>
             <a:endParaRPr lang="en-US"/>
           </a:p>
@@ -3063,7 +3063,7 @@
           <a:p>
             <a:fld id="{D82884F1-FFEA-405F-9602-3DCA865EDA4E}" type="datetime1">
               <a:rPr lang="en-US" smtClean="0"/>
-              <a:t>2/19/2025</a:t>
+              <a:t>2/22/2025</a:t>
             </a:fld>
             <a:endParaRPr lang="en-US"/>
           </a:p>
@@ -3357,7 +3357,7 @@
           <a:p>
             <a:fld id="{7E18DB4A-8810-4A10-AD5C-D5E2C667F5B3}" type="datetime1">
               <a:rPr lang="en-US" smtClean="0"/>
-              <a:t>2/19/2025</a:t>
+              <a:t>2/22/2025</a:t>
             </a:fld>
             <a:endParaRPr lang="en-US"/>
           </a:p>
@@ -3578,7 +3578,7 @@
           <a:p>
             <a:fld id="{ED291B17-9318-49DB-B28B-6E5994AE9581}" type="datetime1">
               <a:rPr lang="en-US" smtClean="0"/>
-              <a:t>2/19/2025</a:t>
+              <a:t>2/22/2025</a:t>
             </a:fld>
             <a:endParaRPr lang="en-US"/>
           </a:p>
@@ -4611,7 +4611,7 @@
               <a:rPr lang="en-IN" dirty="0">
                 <a:hlinkClick r:id="rId2"/>
               </a:rPr>
-              <a:t>https://github.com/ARE-IMANTH/Steganography-Project.git</a:t>
+              <a:t>https://github.com/AreImanth/Steganography-Project.git</a:t>
             </a:r>
             <a:endParaRPr lang="en-IN" dirty="0"/>
           </a:p>
@@ -6887,6 +6887,23 @@
 </file>
 
 <file path=customXml/item1.xml><?xml version="1.0" encoding="utf-8"?>
+<?mso-contentType ?>
+<FormTemplates xmlns="http://schemas.microsoft.com/sharepoint/v3/contenttype/forms">
+  <Display>DocumentLibraryForm</Display>
+  <Edit>DocumentLibraryForm</Edit>
+  <New>DocumentLibraryForm</New>
+</FormTemplates>
+</file>
+
+<file path=customXml/item2.xml><?xml version="1.0" encoding="utf-8"?>
+<p:properties xmlns:p="http://schemas.microsoft.com/office/2006/metadata/properties" xmlns:xsi="http://www.w3.org/2001/XMLSchema-instance" xmlns:pc="http://schemas.microsoft.com/office/infopath/2007/PartnerControls">
+  <documentManagement>
+    <_activity xmlns="b30265f8-c5e2-4918-b4a1-b977299ca3e2" xsi:nil="true"/>
+  </documentManagement>
+</p:properties>
+</file>
+
+<file path=customXml/item3.xml><?xml version="1.0" encoding="utf-8"?>
 <ct:contentTypeSchema xmlns:ct="http://schemas.microsoft.com/office/2006/metadata/contentType" xmlns:ma="http://schemas.microsoft.com/office/2006/metadata/properties/metaAttributes" ct:_="" ma:_="" ma:contentTypeName="Document" ma:contentTypeID="0x0101007F0268AC5E70984D8FE60B7154176407" ma:contentTypeVersion="15" ma:contentTypeDescription="Create a new document." ma:contentTypeScope="" ma:versionID="104e359103f0f57b1cf9676756e5b944">
   <xsd:schema xmlns:xsd="http://www.w3.org/2001/XMLSchema" xmlns:xs="http://www.w3.org/2001/XMLSchema" xmlns:p="http://schemas.microsoft.com/office/2006/metadata/properties" xmlns:ns3="b30265f8-c5e2-4918-b4a1-b977299ca3e2" xmlns:ns4="fadb41d3-f9cb-40fb-903c-8cacaba95bb5" targetNamespace="http://schemas.microsoft.com/office/2006/metadata/properties" ma:root="true" ma:fieldsID="5615b8f8aa772998bad551f24a33de0e" ns3:_="" ns4:_="">
     <xsd:import namespace="b30265f8-c5e2-4918-b4a1-b977299ca3e2"/>
@@ -7119,38 +7136,10 @@
 </ct:contentTypeSchema>
 </file>
 
-<file path=customXml/item2.xml><?xml version="1.0" encoding="utf-8"?>
-<p:properties xmlns:p="http://schemas.microsoft.com/office/2006/metadata/properties" xmlns:xsi="http://www.w3.org/2001/XMLSchema-instance" xmlns:pc="http://schemas.microsoft.com/office/infopath/2007/PartnerControls">
-  <documentManagement>
-    <_activity xmlns="b30265f8-c5e2-4918-b4a1-b977299ca3e2" xsi:nil="true"/>
-  </documentManagement>
-</p:properties>
-</file>
-
-<file path=customXml/item3.xml><?xml version="1.0" encoding="utf-8"?>
-<?mso-contentType ?>
-<FormTemplates xmlns="http://schemas.microsoft.com/sharepoint/v3/contenttype/forms">
-  <Display>DocumentLibraryForm</Display>
-  <Edit>DocumentLibraryForm</Edit>
-  <New>DocumentLibraryForm</New>
-</FormTemplates>
-</file>
-
 <file path=customXml/itemProps1.xml><?xml version="1.0" encoding="utf-8"?>
-<ds:datastoreItem xmlns:ds="http://schemas.openxmlformats.org/officeDocument/2006/customXml" ds:itemID="{9DD71778-17EE-4151-88AE-C8F4E8043BD9}">
+<ds:datastoreItem xmlns:ds="http://schemas.openxmlformats.org/officeDocument/2006/customXml" ds:itemID="{927BD4C1-B6B1-4715-ABF9-E660A51A4EA0}">
   <ds:schemaRefs>
-    <ds:schemaRef ds:uri="http://schemas.microsoft.com/office/2006/metadata/contentType"/>
-    <ds:schemaRef ds:uri="http://schemas.microsoft.com/office/2006/metadata/properties/metaAttributes"/>
-    <ds:schemaRef ds:uri="http://www.w3.org/2001/XMLSchema"/>
-    <ds:schemaRef ds:uri="http://schemas.microsoft.com/office/2006/metadata/properties"/>
-    <ds:schemaRef ds:uri="b30265f8-c5e2-4918-b4a1-b977299ca3e2"/>
-    <ds:schemaRef ds:uri="fadb41d3-f9cb-40fb-903c-8cacaba95bb5"/>
-    <ds:schemaRef ds:uri="http://schemas.microsoft.com/office/2006/documentManagement/types"/>
-    <ds:schemaRef ds:uri="http://schemas.microsoft.com/office/infopath/2007/PartnerControls"/>
-    <ds:schemaRef ds:uri="http://schemas.openxmlformats.org/package/2006/metadata/core-properties"/>
-    <ds:schemaRef ds:uri="http://purl.org/dc/elements/1.1/"/>
-    <ds:schemaRef ds:uri="http://purl.org/dc/terms/"/>
-    <ds:schemaRef ds:uri="http://schemas.microsoft.com/internal/obd"/>
+    <ds:schemaRef ds:uri="http://schemas.microsoft.com/sharepoint/v3/contenttype/forms"/>
   </ds:schemaRefs>
 </ds:datastoreItem>
 </file>
@@ -7173,9 +7162,20 @@
 </file>
 
 <file path=customXml/itemProps3.xml><?xml version="1.0" encoding="utf-8"?>
-<ds:datastoreItem xmlns:ds="http://schemas.openxmlformats.org/officeDocument/2006/customXml" ds:itemID="{927BD4C1-B6B1-4715-ABF9-E660A51A4EA0}">
+<ds:datastoreItem xmlns:ds="http://schemas.openxmlformats.org/officeDocument/2006/customXml" ds:itemID="{9DD71778-17EE-4151-88AE-C8F4E8043BD9}">
   <ds:schemaRefs>
-    <ds:schemaRef ds:uri="http://schemas.microsoft.com/sharepoint/v3/contenttype/forms"/>
+    <ds:schemaRef ds:uri="http://schemas.microsoft.com/office/2006/metadata/contentType"/>
+    <ds:schemaRef ds:uri="http://schemas.microsoft.com/office/2006/metadata/properties/metaAttributes"/>
+    <ds:schemaRef ds:uri="http://www.w3.org/2001/XMLSchema"/>
+    <ds:schemaRef ds:uri="http://schemas.microsoft.com/office/2006/metadata/properties"/>
+    <ds:schemaRef ds:uri="b30265f8-c5e2-4918-b4a1-b977299ca3e2"/>
+    <ds:schemaRef ds:uri="fadb41d3-f9cb-40fb-903c-8cacaba95bb5"/>
+    <ds:schemaRef ds:uri="http://schemas.microsoft.com/office/2006/documentManagement/types"/>
+    <ds:schemaRef ds:uri="http://schemas.microsoft.com/office/infopath/2007/PartnerControls"/>
+    <ds:schemaRef ds:uri="http://schemas.openxmlformats.org/package/2006/metadata/core-properties"/>
+    <ds:schemaRef ds:uri="http://purl.org/dc/elements/1.1/"/>
+    <ds:schemaRef ds:uri="http://purl.org/dc/terms/"/>
+    <ds:schemaRef ds:uri="http://schemas.microsoft.com/internal/obd"/>
   </ds:schemaRefs>
 </ds:datastoreItem>
 </file>
--- a/Steganography_ppt.pptx
+++ b/Steganography_ppt.pptx
@@ -6887,23 +6887,6 @@
 </file>
 
 <file path=customXml/item1.xml><?xml version="1.0" encoding="utf-8"?>
-<?mso-contentType ?>
-<FormTemplates xmlns="http://schemas.microsoft.com/sharepoint/v3/contenttype/forms">
-  <Display>DocumentLibraryForm</Display>
-  <Edit>DocumentLibraryForm</Edit>
-  <New>DocumentLibraryForm</New>
-</FormTemplates>
-</file>
-
-<file path=customXml/item2.xml><?xml version="1.0" encoding="utf-8"?>
-<p:properties xmlns:p="http://schemas.microsoft.com/office/2006/metadata/properties" xmlns:xsi="http://www.w3.org/2001/XMLSchema-instance" xmlns:pc="http://schemas.microsoft.com/office/infopath/2007/PartnerControls">
-  <documentManagement>
-    <_activity xmlns="b30265f8-c5e2-4918-b4a1-b977299ca3e2" xsi:nil="true"/>
-  </documentManagement>
-</p:properties>
-</file>
-
-<file path=customXml/item3.xml><?xml version="1.0" encoding="utf-8"?>
 <ct:contentTypeSchema xmlns:ct="http://schemas.microsoft.com/office/2006/metadata/contentType" xmlns:ma="http://schemas.microsoft.com/office/2006/metadata/properties/metaAttributes" ct:_="" ma:_="" ma:contentTypeName="Document" ma:contentTypeID="0x0101007F0268AC5E70984D8FE60B7154176407" ma:contentTypeVersion="15" ma:contentTypeDescription="Create a new document." ma:contentTypeScope="" ma:versionID="104e359103f0f57b1cf9676756e5b944">
   <xsd:schema xmlns:xsd="http://www.w3.org/2001/XMLSchema" xmlns:xs="http://www.w3.org/2001/XMLSchema" xmlns:p="http://schemas.microsoft.com/office/2006/metadata/properties" xmlns:ns3="b30265f8-c5e2-4918-b4a1-b977299ca3e2" xmlns:ns4="fadb41d3-f9cb-40fb-903c-8cacaba95bb5" targetNamespace="http://schemas.microsoft.com/office/2006/metadata/properties" ma:root="true" ma:fieldsID="5615b8f8aa772998bad551f24a33de0e" ns3:_="" ns4:_="">
     <xsd:import namespace="b30265f8-c5e2-4918-b4a1-b977299ca3e2"/>
@@ -7136,10 +7119,38 @@
 </ct:contentTypeSchema>
 </file>
 
+<file path=customXml/item2.xml><?xml version="1.0" encoding="utf-8"?>
+<p:properties xmlns:p="http://schemas.microsoft.com/office/2006/metadata/properties" xmlns:xsi="http://www.w3.org/2001/XMLSchema-instance" xmlns:pc="http://schemas.microsoft.com/office/infopath/2007/PartnerControls">
+  <documentManagement>
+    <_activity xmlns="b30265f8-c5e2-4918-b4a1-b977299ca3e2" xsi:nil="true"/>
+  </documentManagement>
+</p:properties>
+</file>
+
+<file path=customXml/item3.xml><?xml version="1.0" encoding="utf-8"?>
+<?mso-contentType ?>
+<FormTemplates xmlns="http://schemas.microsoft.com/sharepoint/v3/contenttype/forms">
+  <Display>DocumentLibraryForm</Display>
+  <Edit>DocumentLibraryForm</Edit>
+  <New>DocumentLibraryForm</New>
+</FormTemplates>
+</file>
+
 <file path=customXml/itemProps1.xml><?xml version="1.0" encoding="utf-8"?>
-<ds:datastoreItem xmlns:ds="http://schemas.openxmlformats.org/officeDocument/2006/customXml" ds:itemID="{927BD4C1-B6B1-4715-ABF9-E660A51A4EA0}">
+<ds:datastoreItem xmlns:ds="http://schemas.openxmlformats.org/officeDocument/2006/customXml" ds:itemID="{9DD71778-17EE-4151-88AE-C8F4E8043BD9}">
   <ds:schemaRefs>
-    <ds:schemaRef ds:uri="http://schemas.microsoft.com/sharepoint/v3/contenttype/forms"/>
+    <ds:schemaRef ds:uri="http://schemas.microsoft.com/office/2006/metadata/contentType"/>
+    <ds:schemaRef ds:uri="http://schemas.microsoft.com/office/2006/metadata/properties/metaAttributes"/>
+    <ds:schemaRef ds:uri="http://www.w3.org/2001/XMLSchema"/>
+    <ds:schemaRef ds:uri="http://schemas.microsoft.com/office/2006/metadata/properties"/>
+    <ds:schemaRef ds:uri="b30265f8-c5e2-4918-b4a1-b977299ca3e2"/>
+    <ds:schemaRef ds:uri="fadb41d3-f9cb-40fb-903c-8cacaba95bb5"/>
+    <ds:schemaRef ds:uri="http://schemas.microsoft.com/office/2006/documentManagement/types"/>
+    <ds:schemaRef ds:uri="http://schemas.microsoft.com/office/infopath/2007/PartnerControls"/>
+    <ds:schemaRef ds:uri="http://schemas.openxmlformats.org/package/2006/metadata/core-properties"/>
+    <ds:schemaRef ds:uri="http://purl.org/dc/elements/1.1/"/>
+    <ds:schemaRef ds:uri="http://purl.org/dc/terms/"/>
+    <ds:schemaRef ds:uri="http://schemas.microsoft.com/internal/obd"/>
   </ds:schemaRefs>
 </ds:datastoreItem>
 </file>
@@ -7162,20 +7173,9 @@
 </file>
 
 <file path=customXml/itemProps3.xml><?xml version="1.0" encoding="utf-8"?>
-<ds:datastoreItem xmlns:ds="http://schemas.openxmlformats.org/officeDocument/2006/customXml" ds:itemID="{9DD71778-17EE-4151-88AE-C8F4E8043BD9}">
+<ds:datastoreItem xmlns:ds="http://schemas.openxmlformats.org/officeDocument/2006/customXml" ds:itemID="{927BD4C1-B6B1-4715-ABF9-E660A51A4EA0}">
   <ds:schemaRefs>
-    <ds:schemaRef ds:uri="http://schemas.microsoft.com/office/2006/metadata/contentType"/>
-    <ds:schemaRef ds:uri="http://schemas.microsoft.com/office/2006/metadata/properties/metaAttributes"/>
-    <ds:schemaRef ds:uri="http://www.w3.org/2001/XMLSchema"/>
-    <ds:schemaRef ds:uri="http://schemas.microsoft.com/office/2006/metadata/properties"/>
-    <ds:schemaRef ds:uri="b30265f8-c5e2-4918-b4a1-b977299ca3e2"/>
-    <ds:schemaRef ds:uri="fadb41d3-f9cb-40fb-903c-8cacaba95bb5"/>
-    <ds:schemaRef ds:uri="http://schemas.microsoft.com/office/2006/documentManagement/types"/>
-    <ds:schemaRef ds:uri="http://schemas.microsoft.com/office/infopath/2007/PartnerControls"/>
-    <ds:schemaRef ds:uri="http://schemas.openxmlformats.org/package/2006/metadata/core-properties"/>
-    <ds:schemaRef ds:uri="http://purl.org/dc/elements/1.1/"/>
-    <ds:schemaRef ds:uri="http://purl.org/dc/terms/"/>
-    <ds:schemaRef ds:uri="http://schemas.microsoft.com/internal/obd"/>
+    <ds:schemaRef ds:uri="http://schemas.microsoft.com/sharepoint/v3/contenttype/forms"/>
   </ds:schemaRefs>
 </ds:datastoreItem>
 </file>